--- a/03f Aggregation sort.pptx
+++ b/03f Aggregation sort.pptx
@@ -3478,14 +3478,10 @@
           </a:bodyPr>
           <a:lstStyle/>
           <a:p>
-            <a:pPr marL="0" lvl="0" indent="0" algn="l" rtl="0">
-              <a:spcBef>
-                <a:spcPts val="0"/>
-              </a:spcBef>
+            <a:pPr marL="285750" indent="-285750">
               <a:spcAft>
                 <a:spcPts val="1600"/>
               </a:spcAft>
-              <a:buNone/>
             </a:pPr>
             <a:r>
               <a:rPr lang="en-AU" dirty="0"/>
@@ -3493,14 +3489,10 @@
             </a:r>
           </a:p>
           <a:p>
-            <a:pPr marL="0" lvl="0" indent="0" algn="l" rtl="0">
-              <a:spcBef>
-                <a:spcPts val="0"/>
-              </a:spcBef>
+            <a:pPr marL="285750" indent="-285750">
               <a:spcAft>
                 <a:spcPts val="1600"/>
               </a:spcAft>
-              <a:buNone/>
             </a:pPr>
             <a:r>
               <a:rPr lang="en-AU" dirty="0"/>
@@ -3508,14 +3500,10 @@
             </a:r>
           </a:p>
           <a:p>
-            <a:pPr marL="0" lvl="0" indent="0" algn="l" rtl="0">
-              <a:spcBef>
-                <a:spcPts val="0"/>
-              </a:spcBef>
+            <a:pPr marL="285750" indent="-285750">
               <a:spcAft>
                 <a:spcPts val="1600"/>
               </a:spcAft>
-              <a:buNone/>
             </a:pPr>
             <a:r>
               <a:rPr lang="en-AU" dirty="0"/>
